--- a/LaTeX_Report/EjectaModelExampleFigure.pptx
+++ b/LaTeX_Report/EjectaModelExampleFigure.pptx
@@ -104,6 +104,11 @@
       </a:defRPr>
     </a:lvl9pPr>
   </p:defaultTextStyle>
+  <p:extLst>
+    <p:ext uri="{EFAFB233-063F-42B5-8137-9DF3F51BA10A}">
+      <p15:sldGuideLst xmlns:p15="http://schemas.microsoft.com/office/powerpoint/2012/main"/>
+    </p:ext>
+  </p:extLst>
 </p:presentation>
 </file>
 
@@ -254,7 +259,7 @@
           <a:p>
             <a:fld id="{DAC43E2C-E3F8-4D12-8E4B-E9DD3D5C81D1}" type="datetimeFigureOut">
               <a:rPr lang="en-US" smtClean="0"/>
-              <a:t>11/5/2020</a:t>
+              <a:t>11/9/2020</a:t>
             </a:fld>
             <a:endParaRPr lang="en-US"/>
           </a:p>
@@ -452,7 +457,7 @@
           <a:p>
             <a:fld id="{DAC43E2C-E3F8-4D12-8E4B-E9DD3D5C81D1}" type="datetimeFigureOut">
               <a:rPr lang="en-US" smtClean="0"/>
-              <a:t>11/5/2020</a:t>
+              <a:t>11/9/2020</a:t>
             </a:fld>
             <a:endParaRPr lang="en-US"/>
           </a:p>
@@ -660,7 +665,7 @@
           <a:p>
             <a:fld id="{DAC43E2C-E3F8-4D12-8E4B-E9DD3D5C81D1}" type="datetimeFigureOut">
               <a:rPr lang="en-US" smtClean="0"/>
-              <a:t>11/5/2020</a:t>
+              <a:t>11/9/2020</a:t>
             </a:fld>
             <a:endParaRPr lang="en-US"/>
           </a:p>
@@ -858,7 +863,7 @@
           <a:p>
             <a:fld id="{DAC43E2C-E3F8-4D12-8E4B-E9DD3D5C81D1}" type="datetimeFigureOut">
               <a:rPr lang="en-US" smtClean="0"/>
-              <a:t>11/5/2020</a:t>
+              <a:t>11/9/2020</a:t>
             </a:fld>
             <a:endParaRPr lang="en-US"/>
           </a:p>
@@ -1133,7 +1138,7 @@
           <a:p>
             <a:fld id="{DAC43E2C-E3F8-4D12-8E4B-E9DD3D5C81D1}" type="datetimeFigureOut">
               <a:rPr lang="en-US" smtClean="0"/>
-              <a:t>11/5/2020</a:t>
+              <a:t>11/9/2020</a:t>
             </a:fld>
             <a:endParaRPr lang="en-US"/>
           </a:p>
@@ -1398,7 +1403,7 @@
           <a:p>
             <a:fld id="{DAC43E2C-E3F8-4D12-8E4B-E9DD3D5C81D1}" type="datetimeFigureOut">
               <a:rPr lang="en-US" smtClean="0"/>
-              <a:t>11/5/2020</a:t>
+              <a:t>11/9/2020</a:t>
             </a:fld>
             <a:endParaRPr lang="en-US"/>
           </a:p>
@@ -1810,7 +1815,7 @@
           <a:p>
             <a:fld id="{DAC43E2C-E3F8-4D12-8E4B-E9DD3D5C81D1}" type="datetimeFigureOut">
               <a:rPr lang="en-US" smtClean="0"/>
-              <a:t>11/5/2020</a:t>
+              <a:t>11/9/2020</a:t>
             </a:fld>
             <a:endParaRPr lang="en-US"/>
           </a:p>
@@ -1951,7 +1956,7 @@
           <a:p>
             <a:fld id="{DAC43E2C-E3F8-4D12-8E4B-E9DD3D5C81D1}" type="datetimeFigureOut">
               <a:rPr lang="en-US" smtClean="0"/>
-              <a:t>11/5/2020</a:t>
+              <a:t>11/9/2020</a:t>
             </a:fld>
             <a:endParaRPr lang="en-US"/>
           </a:p>
@@ -2064,7 +2069,7 @@
           <a:p>
             <a:fld id="{DAC43E2C-E3F8-4D12-8E4B-E9DD3D5C81D1}" type="datetimeFigureOut">
               <a:rPr lang="en-US" smtClean="0"/>
-              <a:t>11/5/2020</a:t>
+              <a:t>11/9/2020</a:t>
             </a:fld>
             <a:endParaRPr lang="en-US"/>
           </a:p>
@@ -2375,7 +2380,7 @@
           <a:p>
             <a:fld id="{DAC43E2C-E3F8-4D12-8E4B-E9DD3D5C81D1}" type="datetimeFigureOut">
               <a:rPr lang="en-US" smtClean="0"/>
-              <a:t>11/5/2020</a:t>
+              <a:t>11/9/2020</a:t>
             </a:fld>
             <a:endParaRPr lang="en-US"/>
           </a:p>
@@ -2663,7 +2668,7 @@
           <a:p>
             <a:fld id="{DAC43E2C-E3F8-4D12-8E4B-E9DD3D5C81D1}" type="datetimeFigureOut">
               <a:rPr lang="en-US" smtClean="0"/>
-              <a:t>11/5/2020</a:t>
+              <a:t>11/9/2020</a:t>
             </a:fld>
             <a:endParaRPr lang="en-US"/>
           </a:p>
@@ -2904,7 +2909,7 @@
           <a:p>
             <a:fld id="{DAC43E2C-E3F8-4D12-8E4B-E9DD3D5C81D1}" type="datetimeFigureOut">
               <a:rPr lang="en-US" smtClean="0"/>
-              <a:t>11/5/2020</a:t>
+              <a:t>11/9/2020</a:t>
             </a:fld>
             <a:endParaRPr lang="en-US"/>
           </a:p>
@@ -4382,8 +4387,8 @@
           </a:p>
         </p:txBody>
       </p:sp>
-      <mc:AlternateContent xmlns:mc="http://schemas.openxmlformats.org/markup-compatibility/2006">
-        <mc:Choice xmlns:a14="http://schemas.microsoft.com/office/drawing/2010/main" Requires="a14">
+      <mc:AlternateContent xmlns:mc="http://schemas.openxmlformats.org/markup-compatibility/2006" xmlns:a14="http://schemas.microsoft.com/office/drawing/2010/main">
+        <mc:Choice Requires="a14">
           <p:sp>
             <p:nvSpPr>
               <p:cNvPr id="69" name="TextBox 68">
@@ -4412,6 +4417,7 @@
               </a:bodyPr>
               <a:lstStyle/>
               <a:p>
+                <a:pPr/>
                 <a14:m>
                   <m:oMathPara xmlns:m="http://schemas.openxmlformats.org/officeDocument/2006/math">
                     <m:oMathParaPr>
@@ -4472,7 +4478,7 @@
             </p:txBody>
           </p:sp>
         </mc:Choice>
-        <mc:Fallback>
+        <mc:Fallback xmlns="">
           <p:sp>
             <p:nvSpPr>
               <p:cNvPr id="69" name="TextBox 68">
@@ -4517,8 +4523,8 @@
           </p:sp>
         </mc:Fallback>
       </mc:AlternateContent>
-      <mc:AlternateContent xmlns:mc="http://schemas.openxmlformats.org/markup-compatibility/2006">
-        <mc:Choice xmlns:a14="http://schemas.microsoft.com/office/drawing/2010/main" Requires="a14">
+      <mc:AlternateContent xmlns:mc="http://schemas.openxmlformats.org/markup-compatibility/2006" xmlns:a14="http://schemas.microsoft.com/office/drawing/2010/main">
+        <mc:Choice Requires="a14">
           <p:sp>
             <p:nvSpPr>
               <p:cNvPr id="70" name="TextBox 69">
@@ -4547,6 +4553,7 @@
               </a:bodyPr>
               <a:lstStyle/>
               <a:p>
+                <a:pPr/>
                 <a14:m>
                   <m:oMathPara xmlns:m="http://schemas.openxmlformats.org/officeDocument/2006/math">
                     <m:oMathParaPr>
@@ -4617,7 +4624,7 @@
             </p:txBody>
           </p:sp>
         </mc:Choice>
-        <mc:Fallback>
+        <mc:Fallback xmlns="">
           <p:sp>
             <p:nvSpPr>
               <p:cNvPr id="70" name="TextBox 69">
@@ -4662,8 +4669,8 @@
           </p:sp>
         </mc:Fallback>
       </mc:AlternateContent>
-      <mc:AlternateContent xmlns:mc="http://schemas.openxmlformats.org/markup-compatibility/2006">
-        <mc:Choice xmlns:a14="http://schemas.microsoft.com/office/drawing/2010/main" Requires="a14">
+      <mc:AlternateContent xmlns:mc="http://schemas.openxmlformats.org/markup-compatibility/2006" xmlns:a14="http://schemas.microsoft.com/office/drawing/2010/main">
+        <mc:Choice Requires="a14">
           <p:sp>
             <p:nvSpPr>
               <p:cNvPr id="72" name="TextBox 71">
@@ -4692,6 +4699,7 @@
               </a:bodyPr>
               <a:lstStyle/>
               <a:p>
+                <a:pPr/>
                 <a14:m>
                   <m:oMathPara xmlns:m="http://schemas.openxmlformats.org/officeDocument/2006/math">
                     <m:oMathParaPr>
@@ -4774,7 +4782,7 @@
             </p:txBody>
           </p:sp>
         </mc:Choice>
-        <mc:Fallback>
+        <mc:Fallback xmlns="">
           <p:sp>
             <p:nvSpPr>
               <p:cNvPr id="72" name="TextBox 71">
@@ -4819,8 +4827,8 @@
           </p:sp>
         </mc:Fallback>
       </mc:AlternateContent>
-      <mc:AlternateContent xmlns:mc="http://schemas.openxmlformats.org/markup-compatibility/2006">
-        <mc:Choice xmlns:a14="http://schemas.microsoft.com/office/drawing/2010/main" Requires="a14">
+      <mc:AlternateContent xmlns:mc="http://schemas.openxmlformats.org/markup-compatibility/2006" xmlns:a14="http://schemas.microsoft.com/office/drawing/2010/main">
+        <mc:Choice Requires="a14">
           <p:sp>
             <p:nvSpPr>
               <p:cNvPr id="73" name="TextBox 72">
@@ -4849,6 +4857,7 @@
               </a:bodyPr>
               <a:lstStyle/>
               <a:p>
+                <a:pPr/>
                 <a14:m>
                   <m:oMathPara xmlns:m="http://schemas.openxmlformats.org/officeDocument/2006/math">
                     <m:oMathParaPr>
@@ -4921,7 +4930,7 @@
             </p:txBody>
           </p:sp>
         </mc:Choice>
-        <mc:Fallback>
+        <mc:Fallback xmlns="">
           <p:sp>
             <p:nvSpPr>
               <p:cNvPr id="73" name="TextBox 72">
@@ -4966,8 +4975,8 @@
           </p:sp>
         </mc:Fallback>
       </mc:AlternateContent>
-      <mc:AlternateContent xmlns:mc="http://schemas.openxmlformats.org/markup-compatibility/2006">
-        <mc:Choice xmlns:a14="http://schemas.microsoft.com/office/drawing/2010/main" Requires="a14">
+      <mc:AlternateContent xmlns:mc="http://schemas.openxmlformats.org/markup-compatibility/2006" xmlns:a14="http://schemas.microsoft.com/office/drawing/2010/main">
+        <mc:Choice Requires="a14">
           <p:sp>
             <p:nvSpPr>
               <p:cNvPr id="74" name="TextBox 73">
@@ -4996,6 +5005,7 @@
               </a:bodyPr>
               <a:lstStyle/>
               <a:p>
+                <a:pPr/>
                 <a14:m>
                   <m:oMathPara xmlns:m="http://schemas.openxmlformats.org/officeDocument/2006/math">
                     <m:oMathParaPr>
@@ -5068,7 +5078,7 @@
             </p:txBody>
           </p:sp>
         </mc:Choice>
-        <mc:Fallback>
+        <mc:Fallback xmlns="">
           <p:sp>
             <p:nvSpPr>
               <p:cNvPr id="74" name="TextBox 73">
@@ -5641,6 +5651,78 @@
             <a:r>
               <a:rPr lang="en-US" dirty="0"/>
               <a:t>Ejecta Angular Distribution (for 45 degree impact)</a:t>
+            </a:r>
+          </a:p>
+        </p:txBody>
+      </p:sp>
+      <p:pic>
+        <p:nvPicPr>
+          <p:cNvPr id="42" name="Content Placeholder 7" descr="Chart, sunburst chart&#10;&#10;Description automatically generated">
+            <a:extLst>
+              <a:ext uri="{FF2B5EF4-FFF2-40B4-BE49-F238E27FC236}">
+                <a16:creationId xmlns:a16="http://schemas.microsoft.com/office/drawing/2014/main" id="{E10B755F-3B69-4E82-9451-83F65D0EDDA3}"/>
+              </a:ext>
+            </a:extLst>
+          </p:cNvPr>
+          <p:cNvPicPr>
+            <a:picLocks noChangeAspect="1"/>
+          </p:cNvPicPr>
+          <p:nvPr/>
+        </p:nvPicPr>
+        <p:blipFill>
+          <a:blip r:embed="rId18"/>
+          <a:stretch>
+            <a:fillRect/>
+          </a:stretch>
+        </p:blipFill>
+        <p:spPr>
+          <a:xfrm>
+            <a:off x="106907" y="708734"/>
+            <a:ext cx="1971369" cy="2160404"/>
+          </a:xfrm>
+          <a:prstGeom prst="rect">
+            <a:avLst/>
+          </a:prstGeom>
+        </p:spPr>
+      </p:pic>
+      <p:sp>
+        <p:nvSpPr>
+          <p:cNvPr id="43" name="TextBox 42">
+            <a:extLst>
+              <a:ext uri="{FF2B5EF4-FFF2-40B4-BE49-F238E27FC236}">
+                <a16:creationId xmlns:a16="http://schemas.microsoft.com/office/drawing/2014/main" id="{1B9BAD88-0B93-4364-8BC3-FB5A0B9AF634}"/>
+              </a:ext>
+            </a:extLst>
+          </p:cNvPr>
+          <p:cNvSpPr txBox="1"/>
+          <p:nvPr/>
+        </p:nvSpPr>
+        <p:spPr>
+          <a:xfrm>
+            <a:off x="74695" y="13223"/>
+            <a:ext cx="2024894" cy="923330"/>
+          </a:xfrm>
+          <a:prstGeom prst="rect">
+            <a:avLst/>
+          </a:prstGeom>
+          <a:solidFill>
+            <a:schemeClr val="bg1"/>
+          </a:solidFill>
+          <a:ln>
+            <a:solidFill>
+              <a:schemeClr val="tx1"/>
+            </a:solidFill>
+          </a:ln>
+        </p:spPr>
+        <p:txBody>
+          <a:bodyPr wrap="square" rtlCol="0">
+            <a:spAutoFit/>
+          </a:bodyPr>
+          <a:lstStyle/>
+          <a:p>
+            <a:r>
+              <a:rPr lang="en-US" dirty="0"/>
+              <a:t>Total Ejecta Angular Distribution (at 45 degrees latitude)</a:t>
             </a:r>
           </a:p>
         </p:txBody>
